--- a/figure_other/QuadFigure.pptx
+++ b/figure_other/QuadFigure.pptx
@@ -3431,8 +3431,8 @@
         </p:nvSpPr>
         <p:spPr>
           <a:xfrm>
-            <a:off x="8035895" y="3629325"/>
-            <a:ext cx="1133644" cy="369332"/>
+            <a:off x="7894831" y="3629325"/>
+            <a:ext cx="1415772" cy="369332"/>
           </a:xfrm>
           <a:prstGeom prst="rect">
             <a:avLst/>
@@ -3447,12 +3447,16 @@
           <a:p>
             <a:pPr algn="ctr"/>
             <a:r>
-              <a:rPr lang="en-US" dirty="0">
+              <a:rPr lang="en-US">
                 <a:latin typeface="Times New Roman" panose="02020603050405020304" pitchFamily="18" charset="0"/>
                 <a:cs typeface="Times New Roman" panose="02020603050405020304" pitchFamily="18" charset="0"/>
               </a:rPr>
-              <a:t>Collective</a:t>
-            </a:r>
+              <a:t>Collectivistic</a:t>
+            </a:r>
+            <a:endParaRPr lang="en-US" dirty="0">
+              <a:latin typeface="Times New Roman" panose="02020603050405020304" pitchFamily="18" charset="0"/>
+              <a:cs typeface="Times New Roman" panose="02020603050405020304" pitchFamily="18" charset="0"/>
+            </a:endParaRPr>
           </a:p>
         </p:txBody>
       </p:sp>
@@ -3763,8 +3767,8 @@
         </p:nvSpPr>
         <p:spPr>
           <a:xfrm>
-            <a:off x="7079863" y="1311286"/>
-            <a:ext cx="1133644" cy="369332"/>
+            <a:off x="6906739" y="1311286"/>
+            <a:ext cx="1479892" cy="369332"/>
           </a:xfrm>
           <a:prstGeom prst="rect">
             <a:avLst/>
@@ -3779,12 +3783,16 @@
           <a:p>
             <a:pPr algn="ctr"/>
             <a:r>
-              <a:rPr lang="en-US" dirty="0">
+              <a:rPr lang="en-US" dirty="0" err="1">
                 <a:latin typeface="Times New Roman" panose="02020603050405020304" pitchFamily="18" charset="0"/>
                 <a:cs typeface="Times New Roman" panose="02020603050405020304" pitchFamily="18" charset="0"/>
               </a:rPr>
-              <a:t>Collective</a:t>
-            </a:r>
+              <a:t>Collectivisitic</a:t>
+            </a:r>
+            <a:endParaRPr lang="en-US" dirty="0">
+              <a:latin typeface="Times New Roman" panose="02020603050405020304" pitchFamily="18" charset="0"/>
+              <a:cs typeface="Times New Roman" panose="02020603050405020304" pitchFamily="18" charset="0"/>
+            </a:endParaRPr>
           </a:p>
         </p:txBody>
       </p:sp>
